--- a/Offline/BusinessManagement/CRM/Others/AI Junior Demo.pptx
+++ b/Offline/BusinessManagement/CRM/Others/AI Junior Demo.pptx
@@ -3612,11 +3612,11 @@
   <p:clrMapOvr>
     <a:masterClrMapping/>
   </p:clrMapOvr>
-  <mc:AlternateContent xmlns:mc="http://schemas.openxmlformats.org/markup-compatibility/2006">
-    <mc:Choice xmlns:p14="http://schemas.microsoft.com/office/powerpoint/2010/main" Requires="p14">
+  <mc:AlternateContent xmlns:mc="http://schemas.openxmlformats.org/markup-compatibility/2006" xmlns:p14="http://schemas.microsoft.com/office/powerpoint/2010/main">
+    <mc:Choice Requires="p14">
       <p:transition p14:dur="0"/>
     </mc:Choice>
-    <mc:Fallback>
+    <mc:Fallback xmlns="">
       <p:transition/>
     </mc:Fallback>
   </mc:AlternateContent>
@@ -3737,26 +3737,7 @@
                   </a:outerShdw>
                 </a:effectLst>
               </a:rPr>
-              <a:t>YOUR ONE STOP DESTINATION FOR AI &amp; </a:t>
-            </a:r>
-            <a:r>
-              <a:rPr lang="en-US" sz="4000" b="1" dirty="0" smtClean="0">
-                <a:ln w="6600">
-                  <a:solidFill>
-                    <a:schemeClr val="accent2"/>
-                  </a:solidFill>
-                  <a:prstDash val="solid"/>
-                </a:ln>
-                <a:solidFill>
-                  <a:srgbClr val="FFFFFF"/>
-                </a:solidFill>
-                <a:effectLst>
-                  <a:outerShdw dist="38100" dir="2700000" algn="tl" rotWithShape="0">
-                    <a:schemeClr val="accent2"/>
-                  </a:outerShdw>
-                </a:effectLst>
-              </a:rPr>
-              <a:t>ROBOTICS</a:t>
+              <a:t>YOUR ONE STOP DESTINATION FOR AI &amp; ROBOTICS</a:t>
             </a:r>
             <a:endParaRPr lang="en-US" sz="4000" b="1" cap="none" spc="0" dirty="0">
               <a:ln w="6600">
@@ -3782,7 +3763,7 @@
           <p:cNvPr id="3" name="Picture 2">
             <a:extLst>
               <a:ext uri="{FF2B5EF4-FFF2-40B4-BE49-F238E27FC236}">
-                <a16:creationId xmlns="" xmlns:a16="http://schemas.microsoft.com/office/drawing/2014/main" id="{31F8CF0C-2DF4-F956-D9BD-6BF59F67AFDA}"/>
+                <a16:creationId xmlns:a16="http://schemas.microsoft.com/office/drawing/2014/main" xmlns="" id="{31F8CF0C-2DF4-F956-D9BD-6BF59F67AFDA}"/>
               </a:ext>
             </a:extLst>
           </p:cNvPr>
@@ -3864,41 +3845,13 @@
       </p:grpSpPr>
       <p:sp>
         <p:nvSpPr>
-          <p:cNvPr id="2" name="Title 1"/>
-          <p:cNvSpPr>
-            <a:spLocks noGrp="1"/>
-          </p:cNvSpPr>
-          <p:nvPr>
-            <p:ph type="title"/>
-          </p:nvPr>
-        </p:nvSpPr>
-        <p:spPr>
-          <a:xfrm>
-            <a:off x="838200" y="365125"/>
-            <a:ext cx="2724509" cy="1325563"/>
-          </a:xfrm>
-        </p:spPr>
-        <p:txBody>
-          <a:bodyPr/>
-          <a:lstStyle/>
-          <a:p>
-            <a:r>
-              <a:rPr lang="en-US" dirty="0" smtClean="0"/>
-              <a:t>What is AI?</a:t>
-            </a:r>
-            <a:endParaRPr lang="en-AU" dirty="0"/>
-          </a:p>
-        </p:txBody>
-      </p:sp>
-      <p:sp>
-        <p:nvSpPr>
           <p:cNvPr id="5" name="Isosceles Triangle 4"/>
           <p:cNvSpPr/>
           <p:nvPr/>
         </p:nvSpPr>
         <p:spPr>
           <a:xfrm>
-            <a:off x="5670736" y="3786712"/>
+            <a:off x="5670735" y="3799204"/>
             <a:ext cx="1046528" cy="983598"/>
           </a:xfrm>
           <a:prstGeom prst="triangle">
@@ -4007,7 +3960,7 @@
         </p:nvSpPr>
         <p:spPr>
           <a:xfrm rot="21162127">
-            <a:off x="4005389" y="3467753"/>
+            <a:off x="4005389" y="3510883"/>
             <a:ext cx="1567282" cy="576874"/>
           </a:xfrm>
           <a:prstGeom prst="rect">
@@ -4033,6 +3986,67 @@
               <a:solidFill>
                 <a:srgbClr val="00B0F0"/>
               </a:solidFill>
+            </a:endParaRPr>
+          </a:p>
+        </p:txBody>
+      </p:sp>
+      <p:sp>
+        <p:nvSpPr>
+          <p:cNvPr id="4" name="Rectangle 3"/>
+          <p:cNvSpPr/>
+          <p:nvPr/>
+        </p:nvSpPr>
+        <p:spPr>
+          <a:xfrm>
+            <a:off x="98705" y="232762"/>
+            <a:ext cx="5766323" cy="923330"/>
+          </a:xfrm>
+          <a:prstGeom prst="rect">
+            <a:avLst/>
+          </a:prstGeom>
+          <a:noFill/>
+        </p:spPr>
+        <p:txBody>
+          <a:bodyPr wrap="none" lIns="91440" tIns="45720" rIns="91440" bIns="45720">
+            <a:spAutoFit/>
+          </a:bodyPr>
+          <a:lstStyle/>
+          <a:p>
+            <a:pPr algn="ctr"/>
+            <a:r>
+              <a:rPr lang="en-US" sz="5400" b="1" cap="none" spc="0" dirty="0" smtClean="0">
+                <a:ln w="6600">
+                  <a:solidFill>
+                    <a:schemeClr val="accent2"/>
+                  </a:solidFill>
+                  <a:prstDash val="solid"/>
+                </a:ln>
+                <a:solidFill>
+                  <a:srgbClr val="FFFFFF"/>
+                </a:solidFill>
+                <a:effectLst>
+                  <a:outerShdw dist="38100" dir="2700000" algn="tl" rotWithShape="0">
+                    <a:schemeClr val="accent2"/>
+                  </a:outerShdw>
+                </a:effectLst>
+              </a:rPr>
+              <a:t>UNVEIL AI WITH US</a:t>
+            </a:r>
+            <a:endParaRPr lang="en-US" sz="5400" b="1" cap="none" spc="0" dirty="0">
+              <a:ln w="6600">
+                <a:solidFill>
+                  <a:schemeClr val="accent2"/>
+                </a:solidFill>
+                <a:prstDash val="solid"/>
+              </a:ln>
+              <a:solidFill>
+                <a:srgbClr val="FFFFFF"/>
+              </a:solidFill>
+              <a:effectLst>
+                <a:outerShdw dist="38100" dir="2700000" algn="tl" rotWithShape="0">
+                  <a:schemeClr val="accent2"/>
+                </a:outerShdw>
+              </a:effectLst>
             </a:endParaRPr>
           </a:p>
         </p:txBody>
@@ -4047,13 +4061,13 @@
   <p:clrMapOvr>
     <a:masterClrMapping/>
   </p:clrMapOvr>
-  <mc:AlternateContent xmlns:mc="http://schemas.openxmlformats.org/markup-compatibility/2006">
-    <mc:Choice xmlns:p14="http://schemas.microsoft.com/office/powerpoint/2010/main" Requires="p14">
+  <mc:AlternateContent xmlns:mc="http://schemas.openxmlformats.org/markup-compatibility/2006" xmlns:p14="http://schemas.microsoft.com/office/powerpoint/2010/main">
+    <mc:Choice Requires="p14">
       <p:transition spd="slow" p14:dur="3400">
         <p14:reveal/>
       </p:transition>
     </mc:Choice>
-    <mc:Fallback>
+    <mc:Fallback xmlns="">
       <p:transition spd="slow">
         <p:fade/>
       </p:transition>
@@ -4096,13 +4110,13 @@
   <p:clrMapOvr>
     <a:masterClrMapping/>
   </p:clrMapOvr>
-  <mc:AlternateContent xmlns:mc="http://schemas.openxmlformats.org/markup-compatibility/2006">
-    <mc:Choice xmlns:p14="http://schemas.microsoft.com/office/powerpoint/2010/main" Requires="p14">
+  <mc:AlternateContent xmlns:mc="http://schemas.openxmlformats.org/markup-compatibility/2006" xmlns:p14="http://schemas.microsoft.com/office/powerpoint/2010/main">
+    <mc:Choice Requires="p14">
       <p:transition spd="slow" p14:dur="3400">
         <p14:reveal/>
       </p:transition>
     </mc:Choice>
-    <mc:Fallback>
+    <mc:Fallback xmlns="">
       <p:transition spd="slow">
         <p:fade/>
       </p:transition>

--- a/Offline/BusinessManagement/CRM/Others/AI Junior Demo.pptx
+++ b/Offline/BusinessManagement/CRM/Others/AI Junior Demo.pptx
@@ -10,9 +10,9 @@
   <p:sldIdLst>
     <p:sldId id="258" r:id="rId2"/>
     <p:sldId id="260" r:id="rId3"/>
-    <p:sldId id="262" r:id="rId4"/>
-    <p:sldId id="263" r:id="rId5"/>
-    <p:sldId id="261" r:id="rId6"/>
+    <p:sldId id="261" r:id="rId4"/>
+    <p:sldId id="262" r:id="rId5"/>
+    <p:sldId id="263" r:id="rId6"/>
   </p:sldIdLst>
   <p:sldSz cx="12192000" cy="6858000"/>
   <p:notesSz cx="6858000" cy="9144000"/>
@@ -201,7 +201,7 @@
           <a:p>
             <a:fld id="{9786A386-AF09-486C-A8B7-4746725DE3C4}" type="datetimeFigureOut">
               <a:rPr lang="en-AU" smtClean="0"/>
-              <a:t>11/12/2023</a:t>
+              <a:t>12/12/2023</a:t>
             </a:fld>
             <a:endParaRPr lang="en-AU"/>
           </a:p>
@@ -539,7 +539,7 @@
           <a:p>
             <a:fld id="{6EB2AD56-8D6F-4C11-A7A6-02AA1E988D7F}" type="slidenum">
               <a:rPr lang="en-AU" smtClean="0"/>
-              <a:t>5</a:t>
+              <a:t>3</a:t>
             </a:fld>
             <a:endParaRPr lang="en-AU"/>
           </a:p>
@@ -689,7 +689,7 @@
           <a:p>
             <a:fld id="{501BC4BB-AB66-4CC7-A521-803D17E484C4}" type="datetimeFigureOut">
               <a:rPr lang="en-AU" smtClean="0"/>
-              <a:t>11/12/2023</a:t>
+              <a:t>12/12/2023</a:t>
             </a:fld>
             <a:endParaRPr lang="en-AU"/>
           </a:p>
@@ -871,7 +871,7 @@
           <a:p>
             <a:fld id="{501BC4BB-AB66-4CC7-A521-803D17E484C4}" type="datetimeFigureOut">
               <a:rPr lang="en-AU" smtClean="0"/>
-              <a:t>11/12/2023</a:t>
+              <a:t>12/12/2023</a:t>
             </a:fld>
             <a:endParaRPr lang="en-AU"/>
           </a:p>
@@ -1063,7 +1063,7 @@
           <a:p>
             <a:fld id="{501BC4BB-AB66-4CC7-A521-803D17E484C4}" type="datetimeFigureOut">
               <a:rPr lang="en-AU" smtClean="0"/>
-              <a:t>11/12/2023</a:t>
+              <a:t>12/12/2023</a:t>
             </a:fld>
             <a:endParaRPr lang="en-AU"/>
           </a:p>
@@ -1245,7 +1245,7 @@
           <a:p>
             <a:fld id="{501BC4BB-AB66-4CC7-A521-803D17E484C4}" type="datetimeFigureOut">
               <a:rPr lang="en-AU" smtClean="0"/>
-              <a:t>11/12/2023</a:t>
+              <a:t>12/12/2023</a:t>
             </a:fld>
             <a:endParaRPr lang="en-AU"/>
           </a:p>
@@ -1503,7 +1503,7 @@
           <a:p>
             <a:fld id="{501BC4BB-AB66-4CC7-A521-803D17E484C4}" type="datetimeFigureOut">
               <a:rPr lang="en-AU" smtClean="0"/>
-              <a:t>11/12/2023</a:t>
+              <a:t>12/12/2023</a:t>
             </a:fld>
             <a:endParaRPr lang="en-AU"/>
           </a:p>
@@ -1747,7 +1747,7 @@
           <a:p>
             <a:fld id="{501BC4BB-AB66-4CC7-A521-803D17E484C4}" type="datetimeFigureOut">
               <a:rPr lang="en-AU" smtClean="0"/>
-              <a:t>11/12/2023</a:t>
+              <a:t>12/12/2023</a:t>
             </a:fld>
             <a:endParaRPr lang="en-AU"/>
           </a:p>
@@ -2126,7 +2126,7 @@
           <a:p>
             <a:fld id="{501BC4BB-AB66-4CC7-A521-803D17E484C4}" type="datetimeFigureOut">
               <a:rPr lang="en-AU" smtClean="0"/>
-              <a:t>11/12/2023</a:t>
+              <a:t>12/12/2023</a:t>
             </a:fld>
             <a:endParaRPr lang="en-AU"/>
           </a:p>
@@ -2256,7 +2256,7 @@
           <a:p>
             <a:fld id="{501BC4BB-AB66-4CC7-A521-803D17E484C4}" type="datetimeFigureOut">
               <a:rPr lang="en-AU" smtClean="0"/>
-              <a:t>11/12/2023</a:t>
+              <a:t>12/12/2023</a:t>
             </a:fld>
             <a:endParaRPr lang="en-AU"/>
           </a:p>
@@ -2363,7 +2363,7 @@
           <a:p>
             <a:fld id="{501BC4BB-AB66-4CC7-A521-803D17E484C4}" type="datetimeFigureOut">
               <a:rPr lang="en-AU" smtClean="0"/>
-              <a:t>11/12/2023</a:t>
+              <a:t>12/12/2023</a:t>
             </a:fld>
             <a:endParaRPr lang="en-AU"/>
           </a:p>
@@ -2652,7 +2652,7 @@
           <a:p>
             <a:fld id="{501BC4BB-AB66-4CC7-A521-803D17E484C4}" type="datetimeFigureOut">
               <a:rPr lang="en-AU" smtClean="0"/>
-              <a:t>11/12/2023</a:t>
+              <a:t>12/12/2023</a:t>
             </a:fld>
             <a:endParaRPr lang="en-AU"/>
           </a:p>
@@ -2921,7 +2921,7 @@
           <a:p>
             <a:fld id="{501BC4BB-AB66-4CC7-A521-803D17E484C4}" type="datetimeFigureOut">
               <a:rPr lang="en-AU" smtClean="0"/>
-              <a:t>11/12/2023</a:t>
+              <a:t>12/12/2023</a:t>
             </a:fld>
             <a:endParaRPr lang="en-AU"/>
           </a:p>
@@ -3146,7 +3146,7 @@
           <a:p>
             <a:fld id="{501BC4BB-AB66-4CC7-A521-803D17E484C4}" type="datetimeFigureOut">
               <a:rPr lang="en-AU" smtClean="0"/>
-              <a:t>11/12/2023</a:t>
+              <a:t>12/12/2023</a:t>
             </a:fld>
             <a:endParaRPr lang="en-AU"/>
           </a:p>
@@ -3584,7 +3584,7 @@
         </p:blipFill>
         <p:spPr bwMode="auto">
           <a:xfrm>
-            <a:off x="0" y="0"/>
+            <a:off x="0" y="-48126"/>
             <a:ext cx="12192000" cy="6879266"/>
           </a:xfrm>
           <a:prstGeom prst="rect">
@@ -3600,6 +3600,42 @@
               </a14:hiddenFill>
             </a:ext>
           </a:extLst>
+        </p:spPr>
+      </p:pic>
+      <p:pic>
+        <p:nvPicPr>
+          <p:cNvPr id="3" name="Picture 2">
+            <a:extLst>
+              <a:ext uri="{FF2B5EF4-FFF2-40B4-BE49-F238E27FC236}">
+                <a16:creationId xmlns="" xmlns:a16="http://schemas.microsoft.com/office/drawing/2014/main" id="{31F8CF0C-2DF4-F956-D9BD-6BF59F67AFDA}"/>
+              </a:ext>
+            </a:extLst>
+          </p:cNvPr>
+          <p:cNvPicPr>
+            <a:picLocks noChangeAspect="1"/>
+          </p:cNvPicPr>
+          <p:nvPr/>
+        </p:nvPicPr>
+        <p:blipFill>
+          <a:blip r:embed="rId3">
+            <a:extLst>
+              <a:ext uri="{28A0092B-C50C-407E-A947-70E740481C1C}">
+                <a14:useLocalDpi xmlns:a14="http://schemas.microsoft.com/office/drawing/2010/main" val="0"/>
+              </a:ext>
+            </a:extLst>
+          </a:blip>
+          <a:stretch>
+            <a:fillRect/>
+          </a:stretch>
+        </p:blipFill>
+        <p:spPr>
+          <a:xfrm>
+            <a:off x="457200" y="96262"/>
+            <a:ext cx="3158002" cy="1533887"/>
+          </a:xfrm>
+          <a:prstGeom prst="rect">
+            <a:avLst/>
+          </a:prstGeom>
         </p:spPr>
       </p:pic>
     </p:spTree>
@@ -3763,7 +3799,7 @@
           <p:cNvPr id="3" name="Picture 2">
             <a:extLst>
               <a:ext uri="{FF2B5EF4-FFF2-40B4-BE49-F238E27FC236}">
-                <a16:creationId xmlns:a16="http://schemas.microsoft.com/office/drawing/2014/main" xmlns="" id="{31F8CF0C-2DF4-F956-D9BD-6BF59F67AFDA}"/>
+                <a16:creationId xmlns="" xmlns:a16="http://schemas.microsoft.com/office/drawing/2014/main" id="{31F8CF0C-2DF4-F956-D9BD-6BF59F67AFDA}"/>
               </a:ext>
             </a:extLst>
           </p:cNvPr>
@@ -3843,87 +3879,216 @@
           <a:chExt cx="0" cy="0"/>
         </a:xfrm>
       </p:grpSpPr>
-      <p:sp>
-        <p:nvSpPr>
-          <p:cNvPr id="5" name="Isosceles Triangle 4"/>
-          <p:cNvSpPr/>
+      <p:pic>
+        <p:nvPicPr>
+          <p:cNvPr id="23" name="Picture 22"/>
+          <p:cNvPicPr>
+            <a:picLocks noChangeAspect="1"/>
+          </p:cNvPicPr>
           <p:nvPr/>
-        </p:nvSpPr>
+        </p:nvPicPr>
+        <p:blipFill>
+          <a:blip r:embed="rId3">
+            <a:clrChange>
+              <a:clrFrom>
+                <a:srgbClr val="0F3B54"/>
+              </a:clrFrom>
+              <a:clrTo>
+                <a:srgbClr val="0F3B54">
+                  <a:alpha val="0"/>
+                </a:srgbClr>
+              </a:clrTo>
+            </a:clrChange>
+            <a:extLst>
+              <a:ext uri="{28A0092B-C50C-407E-A947-70E740481C1C}">
+                <a14:useLocalDpi xmlns:a14="http://schemas.microsoft.com/office/drawing/2010/main" val="0"/>
+              </a:ext>
+            </a:extLst>
+          </a:blip>
+          <a:stretch>
+            <a:fillRect/>
+          </a:stretch>
+        </p:blipFill>
         <p:spPr>
           <a:xfrm>
-            <a:off x="5670735" y="3799204"/>
-            <a:ext cx="1046528" cy="983598"/>
+            <a:off x="0" y="0"/>
+            <a:ext cx="12192000" cy="6858000"/>
           </a:xfrm>
-          <a:prstGeom prst="triangle">
+          <a:prstGeom prst="rect">
             <a:avLst/>
           </a:prstGeom>
         </p:spPr>
-        <p:style>
-          <a:lnRef idx="2">
-            <a:schemeClr val="accent1">
-              <a:shade val="50000"/>
-            </a:schemeClr>
-          </a:lnRef>
-          <a:fillRef idx="1">
-            <a:schemeClr val="accent1"/>
-          </a:fillRef>
-          <a:effectRef idx="0">
-            <a:schemeClr val="accent1"/>
-          </a:effectRef>
-          <a:fontRef idx="minor">
-            <a:schemeClr val="lt1"/>
-          </a:fontRef>
-        </p:style>
-        <p:txBody>
-          <a:bodyPr rtlCol="0" anchor="ctr"/>
-          <a:lstStyle/>
-          <a:p>
-            <a:pPr algn="ctr"/>
-            <a:endParaRPr lang="en-AU"/>
-          </a:p>
-        </p:txBody>
-      </p:sp>
-      <p:cxnSp>
-        <p:nvCxnSpPr>
-          <p:cNvPr id="6" name="Straight Connector 5"/>
-          <p:cNvCxnSpPr/>
+      </p:pic>
+      <p:pic>
+        <p:nvPicPr>
+          <p:cNvPr id="7" name="Picture 6"/>
+          <p:cNvPicPr>
+            <a:picLocks noChangeAspect="1"/>
+          </p:cNvPicPr>
           <p:nvPr/>
-        </p:nvCxnSpPr>
+        </p:nvPicPr>
+        <p:blipFill>
+          <a:blip r:embed="rId4" cstate="print">
+            <a:extLst>
+              <a:ext uri="{28A0092B-C50C-407E-A947-70E740481C1C}">
+                <a14:useLocalDpi xmlns:a14="http://schemas.microsoft.com/office/drawing/2010/main" val="0"/>
+              </a:ext>
+            </a:extLst>
+          </a:blip>
+          <a:stretch>
+            <a:fillRect/>
+          </a:stretch>
+        </p:blipFill>
         <p:spPr>
-          <a:xfrm flipV="1">
-            <a:off x="4128127" y="3456603"/>
-            <a:ext cx="4131745" cy="579378"/>
+          <a:xfrm>
+            <a:off x="956188" y="4909234"/>
+            <a:ext cx="674034" cy="505525"/>
           </a:xfrm>
-          <a:prstGeom prst="line">
+          <a:prstGeom prst="rect">
             <a:avLst/>
           </a:prstGeom>
-          <a:ln w="76200"/>
         </p:spPr>
-        <p:style>
-          <a:lnRef idx="1">
-            <a:schemeClr val="accent1"/>
-          </a:lnRef>
-          <a:fillRef idx="0">
-            <a:schemeClr val="accent1"/>
-          </a:fillRef>
-          <a:effectRef idx="0">
-            <a:schemeClr val="accent1"/>
-          </a:effectRef>
-          <a:fontRef idx="minor">
-            <a:schemeClr val="tx1"/>
-          </a:fontRef>
-        </p:style>
-      </p:cxnSp>
-      <p:sp>
-        <p:nvSpPr>
-          <p:cNvPr id="7" name="TextBox 6"/>
+      </p:pic>
+      <p:pic>
+        <p:nvPicPr>
+          <p:cNvPr id="10" name="Picture 9"/>
+          <p:cNvPicPr>
+            <a:picLocks noChangeAspect="1"/>
+          </p:cNvPicPr>
+          <p:nvPr/>
+        </p:nvPicPr>
+        <p:blipFill>
+          <a:blip r:embed="rId5" cstate="print">
+            <a:extLst>
+              <a:ext uri="{28A0092B-C50C-407E-A947-70E740481C1C}">
+                <a14:useLocalDpi xmlns:a14="http://schemas.microsoft.com/office/drawing/2010/main" val="0"/>
+              </a:ext>
+            </a:extLst>
+          </a:blip>
+          <a:stretch>
+            <a:fillRect/>
+          </a:stretch>
+        </p:blipFill>
+        <p:spPr>
+          <a:xfrm>
+            <a:off x="1812743" y="5399997"/>
+            <a:ext cx="464922" cy="483912"/>
+          </a:xfrm>
+          <a:prstGeom prst="rect">
+            <a:avLst/>
+          </a:prstGeom>
+        </p:spPr>
+      </p:pic>
+      <p:pic>
+        <p:nvPicPr>
+          <p:cNvPr id="12" name="Picture 11"/>
+          <p:cNvPicPr>
+            <a:picLocks noChangeAspect="1"/>
+          </p:cNvPicPr>
+          <p:nvPr/>
+        </p:nvPicPr>
+        <p:blipFill>
+          <a:blip r:embed="rId6" cstate="print">
+            <a:extLst>
+              <a:ext uri="{28A0092B-C50C-407E-A947-70E740481C1C}">
+                <a14:useLocalDpi xmlns:a14="http://schemas.microsoft.com/office/drawing/2010/main" val="0"/>
+              </a:ext>
+            </a:extLst>
+          </a:blip>
+          <a:stretch>
+            <a:fillRect/>
+          </a:stretch>
+        </p:blipFill>
+        <p:spPr>
+          <a:xfrm>
+            <a:off x="1812743" y="3548061"/>
+            <a:ext cx="464922" cy="464922"/>
+          </a:xfrm>
+          <a:prstGeom prst="rect">
+            <a:avLst/>
+          </a:prstGeom>
+        </p:spPr>
+      </p:pic>
+      <p:pic>
+        <p:nvPicPr>
+          <p:cNvPr id="19" name="Picture 18"/>
+          <p:cNvPicPr>
+            <a:picLocks noChangeAspect="1"/>
+          </p:cNvPicPr>
+          <p:nvPr/>
+        </p:nvPicPr>
+        <p:blipFill>
+          <a:blip r:embed="rId7" cstate="print">
+            <a:extLst>
+              <a:ext uri="{28A0092B-C50C-407E-A947-70E740481C1C}">
+                <a14:useLocalDpi xmlns:a14="http://schemas.microsoft.com/office/drawing/2010/main" val="0"/>
+              </a:ext>
+            </a:extLst>
+          </a:blip>
+          <a:stretch>
+            <a:fillRect/>
+          </a:stretch>
+        </p:blipFill>
+        <p:spPr>
+          <a:xfrm>
+            <a:off x="2583533" y="4012983"/>
+            <a:ext cx="553633" cy="553633"/>
+          </a:xfrm>
+          <a:prstGeom prst="rect">
+            <a:avLst/>
+          </a:prstGeom>
+        </p:spPr>
+      </p:pic>
+      <p:pic>
+        <p:nvPicPr>
+          <p:cNvPr id="21" name="Picture 20"/>
+          <p:cNvPicPr>
+            <a:picLocks noChangeAspect="1"/>
+          </p:cNvPicPr>
+          <p:nvPr/>
+        </p:nvPicPr>
+        <p:blipFill>
+          <a:blip r:embed="rId8" cstate="print">
+            <a:clrChange>
+              <a:clrFrom>
+                <a:srgbClr val="05132E"/>
+              </a:clrFrom>
+              <a:clrTo>
+                <a:srgbClr val="05132E">
+                  <a:alpha val="0"/>
+                </a:srgbClr>
+              </a:clrTo>
+            </a:clrChange>
+            <a:extLst>
+              <a:ext uri="{28A0092B-C50C-407E-A947-70E740481C1C}">
+                <a14:useLocalDpi xmlns:a14="http://schemas.microsoft.com/office/drawing/2010/main" val="0"/>
+              </a:ext>
+            </a:extLst>
+          </a:blip>
+          <a:stretch>
+            <a:fillRect/>
+          </a:stretch>
+        </p:blipFill>
+        <p:spPr>
+          <a:xfrm>
+            <a:off x="1302705" y="3985551"/>
+            <a:ext cx="1484998" cy="1484998"/>
+          </a:xfrm>
+          <a:prstGeom prst="rect">
+            <a:avLst/>
+          </a:prstGeom>
+        </p:spPr>
+      </p:pic>
+      <p:sp>
+        <p:nvSpPr>
+          <p:cNvPr id="24" name="TextBox 23"/>
           <p:cNvSpPr txBox="1"/>
           <p:nvPr/>
         </p:nvSpPr>
         <p:spPr>
-          <a:xfrm rot="21162127">
-            <a:off x="7635747" y="3041633"/>
-            <a:ext cx="1151386" cy="576874"/>
+          <a:xfrm>
+            <a:off x="1302705" y="416645"/>
+            <a:ext cx="9569700" cy="523220"/>
           </a:xfrm>
           <a:prstGeom prst="rect">
             <a:avLst/>
@@ -3937,124 +4102,115 @@
           <a:lstStyle/>
           <a:p>
             <a:r>
-              <a:rPr lang="en-US" b="1" dirty="0" smtClean="0">
+              <a:rPr lang="en-US" sz="2800" dirty="0" smtClean="0">
                 <a:solidFill>
-                  <a:srgbClr val="00B0F0"/>
+                  <a:schemeClr val="bg1"/>
                 </a:solidFill>
               </a:rPr>
-              <a:t>HYPE</a:t>
-            </a:r>
-            <a:endParaRPr lang="en-AU" b="1" dirty="0">
+              <a:t>AI </a:t>
+            </a:r>
+            <a:r>
+              <a:rPr lang="en-US" sz="2800" dirty="0" smtClean="0">
+                <a:solidFill>
+                  <a:schemeClr val="bg1"/>
+                </a:solidFill>
+              </a:rPr>
+              <a:t>PROFESSIONALS ARE SOUGHT AFTER ALL OVER THE WORLD</a:t>
+            </a:r>
+            <a:endParaRPr lang="en-AU" sz="2800" dirty="0">
               <a:solidFill>
-                <a:srgbClr val="00B0F0"/>
+                <a:schemeClr val="bg1"/>
               </a:solidFill>
             </a:endParaRPr>
           </a:p>
         </p:txBody>
       </p:sp>
-      <p:sp>
-        <p:nvSpPr>
-          <p:cNvPr id="8" name="TextBox 7"/>
-          <p:cNvSpPr txBox="1"/>
+      <p:pic>
+        <p:nvPicPr>
+          <p:cNvPr id="2054" name="Picture 6" descr="File:Microsoft logo.svg - Wikipedia"/>
+          <p:cNvPicPr>
+            <a:picLocks noChangeAspect="1" noChangeArrowheads="1"/>
+          </p:cNvPicPr>
           <p:nvPr/>
-        </p:nvSpPr>
-        <p:spPr>
-          <a:xfrm rot="21162127">
-            <a:off x="4005389" y="3510883"/>
-            <a:ext cx="1567282" cy="576874"/>
+        </p:nvPicPr>
+        <p:blipFill>
+          <a:blip r:embed="rId9" cstate="print">
+            <a:extLst>
+              <a:ext uri="{28A0092B-C50C-407E-A947-70E740481C1C}">
+                <a14:useLocalDpi xmlns:a14="http://schemas.microsoft.com/office/drawing/2010/main" val="0"/>
+              </a:ext>
+            </a:extLst>
+          </a:blip>
+          <a:srcRect/>
+          <a:stretch>
+            <a:fillRect/>
+          </a:stretch>
+        </p:blipFill>
+        <p:spPr bwMode="auto">
+          <a:xfrm>
+            <a:off x="1086500" y="4054417"/>
+            <a:ext cx="400814" cy="400814"/>
           </a:xfrm>
           <a:prstGeom prst="rect">
             <a:avLst/>
           </a:prstGeom>
           <a:noFill/>
+          <a:extLst>
+            <a:ext uri="{909E8E84-426E-40DD-AFC4-6F175D3DCCD1}">
+              <a14:hiddenFill xmlns:a14="http://schemas.microsoft.com/office/drawing/2010/main">
+                <a:solidFill>
+                  <a:srgbClr val="FFFFFF"/>
+                </a:solidFill>
+              </a14:hiddenFill>
+            </a:ext>
+          </a:extLst>
         </p:spPr>
-        <p:txBody>
-          <a:bodyPr wrap="square" rtlCol="0">
-            <a:spAutoFit/>
-          </a:bodyPr>
-          <a:lstStyle/>
-          <a:p>
-            <a:r>
-              <a:rPr lang="en-US" b="1" dirty="0" smtClean="0">
-                <a:solidFill>
-                  <a:srgbClr val="00B0F0"/>
-                </a:solidFill>
-              </a:rPr>
-              <a:t>REALITY</a:t>
-            </a:r>
-            <a:endParaRPr lang="en-AU" b="1" dirty="0">
-              <a:solidFill>
-                <a:srgbClr val="00B0F0"/>
-              </a:solidFill>
-            </a:endParaRPr>
-          </a:p>
-        </p:txBody>
-      </p:sp>
-      <p:sp>
-        <p:nvSpPr>
-          <p:cNvPr id="4" name="Rectangle 3"/>
-          <p:cNvSpPr/>
+      </p:pic>
+      <p:pic>
+        <p:nvPicPr>
+          <p:cNvPr id="2060" name="Picture 12" descr="IBM icon download | Free icons, app icons"/>
+          <p:cNvPicPr>
+            <a:picLocks noChangeAspect="1" noChangeArrowheads="1"/>
+          </p:cNvPicPr>
           <p:nvPr/>
-        </p:nvSpPr>
-        <p:spPr>
+        </p:nvPicPr>
+        <p:blipFill>
+          <a:blip r:embed="rId10" cstate="print">
+            <a:extLst>
+              <a:ext uri="{28A0092B-C50C-407E-A947-70E740481C1C}">
+                <a14:useLocalDpi xmlns:a14="http://schemas.microsoft.com/office/drawing/2010/main" val="0"/>
+              </a:ext>
+            </a:extLst>
+          </a:blip>
+          <a:srcRect/>
+          <a:stretch>
+            <a:fillRect/>
+          </a:stretch>
+        </p:blipFill>
+        <p:spPr bwMode="auto">
           <a:xfrm>
-            <a:off x="98705" y="232762"/>
-            <a:ext cx="5766323" cy="923330"/>
+            <a:off x="2612742" y="4908144"/>
+            <a:ext cx="521478" cy="521478"/>
           </a:xfrm>
           <a:prstGeom prst="rect">
             <a:avLst/>
           </a:prstGeom>
           <a:noFill/>
-        </p:spPr>
-        <p:txBody>
-          <a:bodyPr wrap="none" lIns="91440" tIns="45720" rIns="91440" bIns="45720">
-            <a:spAutoFit/>
-          </a:bodyPr>
-          <a:lstStyle/>
-          <a:p>
-            <a:pPr algn="ctr"/>
-            <a:r>
-              <a:rPr lang="en-US" sz="5400" b="1" cap="none" spc="0" dirty="0" smtClean="0">
-                <a:ln w="6600">
-                  <a:solidFill>
-                    <a:schemeClr val="accent2"/>
-                  </a:solidFill>
-                  <a:prstDash val="solid"/>
-                </a:ln>
+          <a:extLst>
+            <a:ext uri="{909E8E84-426E-40DD-AFC4-6F175D3DCCD1}">
+              <a14:hiddenFill xmlns:a14="http://schemas.microsoft.com/office/drawing/2010/main">
                 <a:solidFill>
                   <a:srgbClr val="FFFFFF"/>
                 </a:solidFill>
-                <a:effectLst>
-                  <a:outerShdw dist="38100" dir="2700000" algn="tl" rotWithShape="0">
-                    <a:schemeClr val="accent2"/>
-                  </a:outerShdw>
-                </a:effectLst>
-              </a:rPr>
-              <a:t>UNVEIL AI WITH US</a:t>
-            </a:r>
-            <a:endParaRPr lang="en-US" sz="5400" b="1" cap="none" spc="0" dirty="0">
-              <a:ln w="6600">
-                <a:solidFill>
-                  <a:schemeClr val="accent2"/>
-                </a:solidFill>
-                <a:prstDash val="solid"/>
-              </a:ln>
-              <a:solidFill>
-                <a:srgbClr val="FFFFFF"/>
-              </a:solidFill>
-              <a:effectLst>
-                <a:outerShdw dist="38100" dir="2700000" algn="tl" rotWithShape="0">
-                  <a:schemeClr val="accent2"/>
-                </a:outerShdw>
-              </a:effectLst>
-            </a:endParaRPr>
-          </a:p>
-        </p:txBody>
-      </p:sp>
+              </a14:hiddenFill>
+            </a:ext>
+          </a:extLst>
+        </p:spPr>
+      </p:pic>
     </p:spTree>
     <p:extLst>
       <p:ext uri="{BB962C8B-B14F-4D97-AF65-F5344CB8AC3E}">
-        <p14:creationId xmlns:p14="http://schemas.microsoft.com/office/powerpoint/2010/main" val="3708350"/>
+        <p14:creationId xmlns:p14="http://schemas.microsoft.com/office/powerpoint/2010/main" val="1701805757"/>
       </p:ext>
     </p:extLst>
   </p:cSld>
@@ -4100,10 +4256,811 @@
           <a:chExt cx="0" cy="0"/>
         </a:xfrm>
       </p:grpSpPr>
+      <p:grpSp>
+        <p:nvGrpSpPr>
+          <p:cNvPr id="59" name="Group 58"/>
+          <p:cNvGrpSpPr/>
+          <p:nvPr/>
+        </p:nvGrpSpPr>
+        <p:grpSpPr>
+          <a:xfrm>
+            <a:off x="0" y="0"/>
+            <a:ext cx="12191999" cy="7047571"/>
+            <a:chOff x="98705" y="2260354"/>
+            <a:chExt cx="5801302" cy="3889344"/>
+          </a:xfrm>
+        </p:grpSpPr>
+        <p:pic>
+          <p:nvPicPr>
+            <p:cNvPr id="2" name="Picture 1"/>
+            <p:cNvPicPr>
+              <a:picLocks noChangeAspect="1"/>
+            </p:cNvPicPr>
+            <p:nvPr/>
+          </p:nvPicPr>
+          <p:blipFill>
+            <a:blip r:embed="rId2">
+              <a:extLst>
+                <a:ext uri="{BEBA8EAE-BF5A-486C-A8C5-ECC9F3942E4B}">
+                  <a14:imgProps xmlns:a14="http://schemas.microsoft.com/office/drawing/2010/main">
+                    <a14:imgLayer r:embed="rId3">
+                      <a14:imgEffect>
+                        <a14:brightnessContrast bright="-20000" contrast="40000"/>
+                      </a14:imgEffect>
+                    </a14:imgLayer>
+                  </a14:imgProps>
+                </a:ext>
+              </a:extLst>
+            </a:blip>
+            <a:stretch>
+              <a:fillRect/>
+            </a:stretch>
+          </p:blipFill>
+          <p:spPr>
+            <a:xfrm>
+              <a:off x="98705" y="2260354"/>
+              <a:ext cx="5801302" cy="3889344"/>
+            </a:xfrm>
+            <a:prstGeom prst="rect">
+              <a:avLst/>
+            </a:prstGeom>
+          </p:spPr>
+        </p:pic>
+        <p:cxnSp>
+          <p:nvCxnSpPr>
+            <p:cNvPr id="10" name="Straight Arrow Connector 9"/>
+            <p:cNvCxnSpPr/>
+            <p:nvPr/>
+          </p:nvCxnSpPr>
+          <p:spPr>
+            <a:xfrm>
+              <a:off x="3923726" y="4035981"/>
+              <a:ext cx="337723" cy="0"/>
+            </a:xfrm>
+            <a:prstGeom prst="straightConnector1">
+              <a:avLst/>
+            </a:prstGeom>
+            <a:ln>
+              <a:solidFill>
+                <a:schemeClr val="bg1"/>
+              </a:solidFill>
+              <a:tailEnd type="triangle"/>
+            </a:ln>
+          </p:spPr>
+          <p:style>
+            <a:lnRef idx="1">
+              <a:schemeClr val="accent1"/>
+            </a:lnRef>
+            <a:fillRef idx="0">
+              <a:schemeClr val="accent1"/>
+            </a:fillRef>
+            <a:effectRef idx="0">
+              <a:schemeClr val="accent1"/>
+            </a:effectRef>
+            <a:fontRef idx="minor">
+              <a:schemeClr val="tx1"/>
+            </a:fontRef>
+          </p:style>
+        </p:cxnSp>
+        <p:sp>
+          <p:nvSpPr>
+            <p:cNvPr id="19" name="TextBox 18"/>
+            <p:cNvSpPr txBox="1"/>
+            <p:nvPr/>
+          </p:nvSpPr>
+          <p:spPr>
+            <a:xfrm>
+              <a:off x="4272899" y="3931879"/>
+              <a:ext cx="1164963" cy="203823"/>
+            </a:xfrm>
+            <a:prstGeom prst="rect">
+              <a:avLst/>
+            </a:prstGeom>
+            <a:noFill/>
+          </p:spPr>
+          <p:txBody>
+            <a:bodyPr wrap="square" rtlCol="0">
+              <a:spAutoFit/>
+            </a:bodyPr>
+            <a:lstStyle/>
+            <a:p>
+              <a:r>
+                <a:rPr lang="en-US" b="1" dirty="0" smtClean="0">
+                  <a:solidFill>
+                    <a:schemeClr val="bg1"/>
+                  </a:solidFill>
+                </a:rPr>
+                <a:t>Machine Learning</a:t>
+              </a:r>
+              <a:endParaRPr lang="en-AU" b="1" dirty="0">
+                <a:solidFill>
+                  <a:schemeClr val="bg1"/>
+                </a:solidFill>
+              </a:endParaRPr>
+            </a:p>
+          </p:txBody>
+        </p:sp>
+        <p:cxnSp>
+          <p:nvCxnSpPr>
+            <p:cNvPr id="20" name="Straight Arrow Connector 19"/>
+            <p:cNvCxnSpPr/>
+            <p:nvPr/>
+          </p:nvCxnSpPr>
+          <p:spPr>
+            <a:xfrm>
+              <a:off x="3731728" y="4446271"/>
+              <a:ext cx="654780" cy="0"/>
+            </a:xfrm>
+            <a:prstGeom prst="straightConnector1">
+              <a:avLst/>
+            </a:prstGeom>
+            <a:ln>
+              <a:solidFill>
+                <a:schemeClr val="bg1"/>
+              </a:solidFill>
+              <a:tailEnd type="triangle"/>
+            </a:ln>
+          </p:spPr>
+          <p:style>
+            <a:lnRef idx="1">
+              <a:schemeClr val="accent1"/>
+            </a:lnRef>
+            <a:fillRef idx="0">
+              <a:schemeClr val="accent1"/>
+            </a:fillRef>
+            <a:effectRef idx="0">
+              <a:schemeClr val="accent1"/>
+            </a:effectRef>
+            <a:fontRef idx="minor">
+              <a:schemeClr val="tx1"/>
+            </a:fontRef>
+          </p:style>
+        </p:cxnSp>
+        <p:sp>
+          <p:nvSpPr>
+            <p:cNvPr id="26" name="TextBox 25"/>
+            <p:cNvSpPr txBox="1"/>
+            <p:nvPr/>
+          </p:nvSpPr>
+          <p:spPr>
+            <a:xfrm>
+              <a:off x="4538693" y="4794764"/>
+              <a:ext cx="1164963" cy="203823"/>
+            </a:xfrm>
+            <a:prstGeom prst="rect">
+              <a:avLst/>
+            </a:prstGeom>
+            <a:noFill/>
+          </p:spPr>
+          <p:txBody>
+            <a:bodyPr wrap="square" rtlCol="0">
+              <a:spAutoFit/>
+            </a:bodyPr>
+            <a:lstStyle/>
+            <a:p>
+              <a:r>
+                <a:rPr lang="en-US" b="1" dirty="0" smtClean="0">
+                  <a:solidFill>
+                    <a:schemeClr val="bg1"/>
+                  </a:solidFill>
+                </a:rPr>
+                <a:t>Deep Learning</a:t>
+              </a:r>
+              <a:endParaRPr lang="en-AU" b="1" dirty="0">
+                <a:solidFill>
+                  <a:schemeClr val="bg1"/>
+                </a:solidFill>
+              </a:endParaRPr>
+            </a:p>
+          </p:txBody>
+        </p:sp>
+        <p:cxnSp>
+          <p:nvCxnSpPr>
+            <p:cNvPr id="27" name="Straight Arrow Connector 26"/>
+            <p:cNvCxnSpPr/>
+            <p:nvPr/>
+          </p:nvCxnSpPr>
+          <p:spPr>
+            <a:xfrm flipV="1">
+              <a:off x="3435563" y="4888284"/>
+              <a:ext cx="1082732" cy="0"/>
+            </a:xfrm>
+            <a:prstGeom prst="straightConnector1">
+              <a:avLst/>
+            </a:prstGeom>
+            <a:ln>
+              <a:solidFill>
+                <a:schemeClr val="bg1"/>
+              </a:solidFill>
+              <a:miter lim="800000"/>
+              <a:tailEnd type="triangle"/>
+            </a:ln>
+          </p:spPr>
+          <p:style>
+            <a:lnRef idx="1">
+              <a:schemeClr val="accent1"/>
+            </a:lnRef>
+            <a:fillRef idx="0">
+              <a:schemeClr val="accent1"/>
+            </a:fillRef>
+            <a:effectRef idx="0">
+              <a:schemeClr val="accent1"/>
+            </a:effectRef>
+            <a:fontRef idx="minor">
+              <a:schemeClr val="tx1"/>
+            </a:fontRef>
+          </p:style>
+        </p:cxnSp>
+        <p:sp>
+          <p:nvSpPr>
+            <p:cNvPr id="31" name="TextBox 30"/>
+            <p:cNvSpPr txBox="1"/>
+            <p:nvPr/>
+          </p:nvSpPr>
+          <p:spPr>
+            <a:xfrm>
+              <a:off x="4400664" y="4350070"/>
+              <a:ext cx="1164963" cy="203823"/>
+            </a:xfrm>
+            <a:prstGeom prst="rect">
+              <a:avLst/>
+            </a:prstGeom>
+            <a:noFill/>
+          </p:spPr>
+          <p:txBody>
+            <a:bodyPr wrap="square" rtlCol="0">
+              <a:spAutoFit/>
+            </a:bodyPr>
+            <a:lstStyle/>
+            <a:p>
+              <a:r>
+                <a:rPr lang="en-US" b="1" dirty="0" smtClean="0">
+                  <a:solidFill>
+                    <a:schemeClr val="bg1"/>
+                  </a:solidFill>
+                </a:rPr>
+                <a:t>Neural Networks</a:t>
+              </a:r>
+              <a:endParaRPr lang="en-AU" b="1" dirty="0">
+                <a:solidFill>
+                  <a:schemeClr val="bg1"/>
+                </a:solidFill>
+              </a:endParaRPr>
+            </a:p>
+          </p:txBody>
+        </p:sp>
+        <p:cxnSp>
+          <p:nvCxnSpPr>
+            <p:cNvPr id="32" name="Straight Arrow Connector 31"/>
+            <p:cNvCxnSpPr/>
+            <p:nvPr/>
+          </p:nvCxnSpPr>
+          <p:spPr>
+            <a:xfrm flipV="1">
+              <a:off x="3173895" y="5329926"/>
+              <a:ext cx="1544754" cy="0"/>
+            </a:xfrm>
+            <a:prstGeom prst="straightConnector1">
+              <a:avLst/>
+            </a:prstGeom>
+            <a:ln>
+              <a:solidFill>
+                <a:schemeClr val="bg1"/>
+              </a:solidFill>
+              <a:tailEnd type="triangle"/>
+            </a:ln>
+          </p:spPr>
+          <p:style>
+            <a:lnRef idx="1">
+              <a:schemeClr val="accent1"/>
+            </a:lnRef>
+            <a:fillRef idx="0">
+              <a:schemeClr val="accent1"/>
+            </a:fillRef>
+            <a:effectRef idx="0">
+              <a:schemeClr val="accent1"/>
+            </a:effectRef>
+            <a:fontRef idx="minor">
+              <a:schemeClr val="tx1"/>
+            </a:fontRef>
+          </p:style>
+        </p:cxnSp>
+        <p:sp>
+          <p:nvSpPr>
+            <p:cNvPr id="34" name="TextBox 33"/>
+            <p:cNvSpPr txBox="1"/>
+            <p:nvPr/>
+          </p:nvSpPr>
+          <p:spPr>
+            <a:xfrm>
+              <a:off x="4730099" y="5232825"/>
+              <a:ext cx="1164963" cy="203823"/>
+            </a:xfrm>
+            <a:prstGeom prst="rect">
+              <a:avLst/>
+            </a:prstGeom>
+            <a:noFill/>
+          </p:spPr>
+          <p:txBody>
+            <a:bodyPr wrap="square" rtlCol="0">
+              <a:spAutoFit/>
+            </a:bodyPr>
+            <a:lstStyle/>
+            <a:p>
+              <a:r>
+                <a:rPr lang="en-US" b="1" dirty="0" smtClean="0">
+                  <a:solidFill>
+                    <a:schemeClr val="bg1"/>
+                  </a:solidFill>
+                </a:rPr>
+                <a:t>Data Science</a:t>
+              </a:r>
+              <a:endParaRPr lang="en-AU" b="1" dirty="0">
+                <a:solidFill>
+                  <a:schemeClr val="bg1"/>
+                </a:solidFill>
+              </a:endParaRPr>
+            </a:p>
+          </p:txBody>
+        </p:sp>
+        <p:cxnSp>
+          <p:nvCxnSpPr>
+            <p:cNvPr id="44" name="Straight Arrow Connector 43"/>
+            <p:cNvCxnSpPr/>
+            <p:nvPr/>
+          </p:nvCxnSpPr>
+          <p:spPr>
+            <a:xfrm flipH="1" flipV="1">
+              <a:off x="1592257" y="5001690"/>
+              <a:ext cx="824723" cy="0"/>
+            </a:xfrm>
+            <a:prstGeom prst="straightConnector1">
+              <a:avLst/>
+            </a:prstGeom>
+            <a:ln>
+              <a:solidFill>
+                <a:schemeClr val="bg1"/>
+              </a:solidFill>
+              <a:tailEnd type="triangle"/>
+            </a:ln>
+          </p:spPr>
+          <p:style>
+            <a:lnRef idx="1">
+              <a:schemeClr val="accent1"/>
+            </a:lnRef>
+            <a:fillRef idx="0">
+              <a:schemeClr val="accent1"/>
+            </a:fillRef>
+            <a:effectRef idx="0">
+              <a:schemeClr val="accent1"/>
+            </a:effectRef>
+            <a:fontRef idx="minor">
+              <a:schemeClr val="tx1"/>
+            </a:fontRef>
+          </p:style>
+        </p:cxnSp>
+        <p:sp>
+          <p:nvSpPr>
+            <p:cNvPr id="49" name="TextBox 48"/>
+            <p:cNvSpPr txBox="1"/>
+            <p:nvPr/>
+          </p:nvSpPr>
+          <p:spPr>
+            <a:xfrm>
+              <a:off x="649879" y="4497269"/>
+              <a:ext cx="1164963" cy="203823"/>
+            </a:xfrm>
+            <a:prstGeom prst="rect">
+              <a:avLst/>
+            </a:prstGeom>
+            <a:noFill/>
+          </p:spPr>
+          <p:txBody>
+            <a:bodyPr wrap="square" rtlCol="0">
+              <a:spAutoFit/>
+            </a:bodyPr>
+            <a:lstStyle/>
+            <a:p>
+              <a:r>
+                <a:rPr lang="en-US" b="1" dirty="0">
+                  <a:solidFill>
+                    <a:schemeClr val="bg1"/>
+                  </a:solidFill>
+                </a:rPr>
+                <a:t>Mathematics</a:t>
+              </a:r>
+              <a:endParaRPr lang="en-AU" b="1" dirty="0">
+                <a:solidFill>
+                  <a:schemeClr val="bg1"/>
+                </a:solidFill>
+              </a:endParaRPr>
+            </a:p>
+          </p:txBody>
+        </p:sp>
+        <p:cxnSp>
+          <p:nvCxnSpPr>
+            <p:cNvPr id="50" name="Straight Arrow Connector 49"/>
+            <p:cNvCxnSpPr/>
+            <p:nvPr/>
+          </p:nvCxnSpPr>
+          <p:spPr>
+            <a:xfrm flipH="1" flipV="1">
+              <a:off x="1944277" y="5361467"/>
+              <a:ext cx="824723" cy="0"/>
+            </a:xfrm>
+            <a:prstGeom prst="straightConnector1">
+              <a:avLst/>
+            </a:prstGeom>
+            <a:ln>
+              <a:solidFill>
+                <a:schemeClr val="bg1"/>
+              </a:solidFill>
+              <a:tailEnd type="triangle"/>
+            </a:ln>
+          </p:spPr>
+          <p:style>
+            <a:lnRef idx="1">
+              <a:schemeClr val="accent1"/>
+            </a:lnRef>
+            <a:fillRef idx="0">
+              <a:schemeClr val="accent1"/>
+            </a:fillRef>
+            <a:effectRef idx="0">
+              <a:schemeClr val="accent1"/>
+            </a:effectRef>
+            <a:fontRef idx="minor">
+              <a:schemeClr val="tx1"/>
+            </a:fontRef>
+          </p:style>
+        </p:cxnSp>
+        <p:sp>
+          <p:nvSpPr>
+            <p:cNvPr id="52" name="TextBox 51"/>
+            <p:cNvSpPr txBox="1"/>
+            <p:nvPr/>
+          </p:nvSpPr>
+          <p:spPr>
+            <a:xfrm>
+              <a:off x="1078446" y="4894169"/>
+              <a:ext cx="1164963" cy="203823"/>
+            </a:xfrm>
+            <a:prstGeom prst="rect">
+              <a:avLst/>
+            </a:prstGeom>
+            <a:noFill/>
+          </p:spPr>
+          <p:txBody>
+            <a:bodyPr wrap="square" rtlCol="0">
+              <a:spAutoFit/>
+            </a:bodyPr>
+            <a:lstStyle/>
+            <a:p>
+              <a:r>
+                <a:rPr lang="en-US" b="1" dirty="0">
+                  <a:solidFill>
+                    <a:schemeClr val="bg1"/>
+                  </a:solidFill>
+                </a:rPr>
+                <a:t>Statistics</a:t>
+              </a:r>
+              <a:endParaRPr lang="en-AU" b="1" dirty="0">
+                <a:solidFill>
+                  <a:schemeClr val="bg1"/>
+                </a:solidFill>
+              </a:endParaRPr>
+            </a:p>
+          </p:txBody>
+        </p:sp>
+        <p:cxnSp>
+          <p:nvCxnSpPr>
+            <p:cNvPr id="53" name="Straight Arrow Connector 52"/>
+            <p:cNvCxnSpPr/>
+            <p:nvPr/>
+          </p:nvCxnSpPr>
+          <p:spPr>
+            <a:xfrm flipH="1" flipV="1">
+              <a:off x="1373182" y="4611165"/>
+              <a:ext cx="824723" cy="0"/>
+            </a:xfrm>
+            <a:prstGeom prst="straightConnector1">
+              <a:avLst/>
+            </a:prstGeom>
+            <a:ln>
+              <a:solidFill>
+                <a:schemeClr val="bg1"/>
+              </a:solidFill>
+              <a:tailEnd type="triangle"/>
+            </a:ln>
+          </p:spPr>
+          <p:style>
+            <a:lnRef idx="1">
+              <a:schemeClr val="accent1"/>
+            </a:lnRef>
+            <a:fillRef idx="0">
+              <a:schemeClr val="accent1"/>
+            </a:fillRef>
+            <a:effectRef idx="0">
+              <a:schemeClr val="accent1"/>
+            </a:effectRef>
+            <a:fontRef idx="minor">
+              <a:schemeClr val="tx1"/>
+            </a:fontRef>
+          </p:style>
+        </p:cxnSp>
+        <p:sp>
+          <p:nvSpPr>
+            <p:cNvPr id="54" name="TextBox 53"/>
+            <p:cNvSpPr txBox="1"/>
+            <p:nvPr/>
+          </p:nvSpPr>
+          <p:spPr>
+            <a:xfrm>
+              <a:off x="1535014" y="5240709"/>
+              <a:ext cx="1164963" cy="203823"/>
+            </a:xfrm>
+            <a:prstGeom prst="rect">
+              <a:avLst/>
+            </a:prstGeom>
+            <a:noFill/>
+          </p:spPr>
+          <p:txBody>
+            <a:bodyPr wrap="square" rtlCol="0">
+              <a:spAutoFit/>
+            </a:bodyPr>
+            <a:lstStyle/>
+            <a:p>
+              <a:r>
+                <a:rPr lang="en-US" b="1" dirty="0" smtClean="0">
+                  <a:solidFill>
+                    <a:schemeClr val="bg1"/>
+                  </a:solidFill>
+                </a:rPr>
+                <a:t>Coding</a:t>
+              </a:r>
+              <a:endParaRPr lang="en-AU" b="1" dirty="0">
+                <a:solidFill>
+                  <a:schemeClr val="bg1"/>
+                </a:solidFill>
+              </a:endParaRPr>
+            </a:p>
+          </p:txBody>
+        </p:sp>
+        <p:cxnSp>
+          <p:nvCxnSpPr>
+            <p:cNvPr id="55" name="Straight Arrow Connector 54"/>
+            <p:cNvCxnSpPr/>
+            <p:nvPr/>
+          </p:nvCxnSpPr>
+          <p:spPr>
+            <a:xfrm flipH="1" flipV="1">
+              <a:off x="1171575" y="4184965"/>
+              <a:ext cx="978706" cy="0"/>
+            </a:xfrm>
+            <a:prstGeom prst="straightConnector1">
+              <a:avLst/>
+            </a:prstGeom>
+            <a:ln>
+              <a:solidFill>
+                <a:schemeClr val="bg1"/>
+              </a:solidFill>
+              <a:tailEnd type="triangle"/>
+            </a:ln>
+          </p:spPr>
+          <p:style>
+            <a:lnRef idx="1">
+              <a:schemeClr val="accent1"/>
+            </a:lnRef>
+            <a:fillRef idx="0">
+              <a:schemeClr val="accent1"/>
+            </a:fillRef>
+            <a:effectRef idx="0">
+              <a:schemeClr val="accent1"/>
+            </a:effectRef>
+            <a:fontRef idx="minor">
+              <a:schemeClr val="tx1"/>
+            </a:fontRef>
+          </p:style>
+        </p:cxnSp>
+        <p:sp>
+          <p:nvSpPr>
+            <p:cNvPr id="57" name="TextBox 56"/>
+            <p:cNvSpPr txBox="1"/>
+            <p:nvPr/>
+          </p:nvSpPr>
+          <p:spPr>
+            <a:xfrm>
+              <a:off x="628956" y="4072026"/>
+              <a:ext cx="1164963" cy="203823"/>
+            </a:xfrm>
+            <a:prstGeom prst="rect">
+              <a:avLst/>
+            </a:prstGeom>
+            <a:noFill/>
+          </p:spPr>
+          <p:txBody>
+            <a:bodyPr wrap="square" rtlCol="0">
+              <a:spAutoFit/>
+            </a:bodyPr>
+            <a:lstStyle/>
+            <a:p>
+              <a:r>
+                <a:rPr lang="en-US" b="1" dirty="0">
+                  <a:solidFill>
+                    <a:schemeClr val="bg1"/>
+                  </a:solidFill>
+                </a:rPr>
+                <a:t>Creativity</a:t>
+              </a:r>
+              <a:endParaRPr lang="en-AU" b="1" dirty="0">
+                <a:solidFill>
+                  <a:schemeClr val="bg1"/>
+                </a:solidFill>
+              </a:endParaRPr>
+            </a:p>
+          </p:txBody>
+        </p:sp>
+        <p:pic>
+          <p:nvPicPr>
+            <p:cNvPr id="48" name="Picture 47"/>
+            <p:cNvPicPr>
+              <a:picLocks noChangeAspect="1"/>
+            </p:cNvPicPr>
+            <p:nvPr/>
+          </p:nvPicPr>
+          <p:blipFill>
+            <a:blip r:embed="rId4"/>
+            <a:stretch>
+              <a:fillRect/>
+            </a:stretch>
+          </p:blipFill>
+          <p:spPr>
+            <a:xfrm>
+              <a:off x="1609860" y="2522988"/>
+              <a:ext cx="1080843" cy="379041"/>
+            </a:xfrm>
+            <a:prstGeom prst="rect">
+              <a:avLst/>
+            </a:prstGeom>
+          </p:spPr>
+        </p:pic>
+        <p:pic>
+          <p:nvPicPr>
+            <p:cNvPr id="51" name="Picture 50"/>
+            <p:cNvPicPr>
+              <a:picLocks noChangeAspect="1"/>
+            </p:cNvPicPr>
+            <p:nvPr/>
+          </p:nvPicPr>
+          <p:blipFill>
+            <a:blip r:embed="rId5"/>
+            <a:stretch>
+              <a:fillRect/>
+            </a:stretch>
+          </p:blipFill>
+          <p:spPr>
+            <a:xfrm>
+              <a:off x="3730078" y="2999202"/>
+              <a:ext cx="952298" cy="535668"/>
+            </a:xfrm>
+            <a:prstGeom prst="rect">
+              <a:avLst/>
+            </a:prstGeom>
+          </p:spPr>
+        </p:pic>
+        <p:pic>
+          <p:nvPicPr>
+            <p:cNvPr id="56" name="Picture 55"/>
+            <p:cNvPicPr>
+              <a:picLocks noChangeAspect="1"/>
+            </p:cNvPicPr>
+            <p:nvPr/>
+          </p:nvPicPr>
+          <p:blipFill>
+            <a:blip r:embed="rId6"/>
+            <a:stretch>
+              <a:fillRect/>
+            </a:stretch>
+          </p:blipFill>
+          <p:spPr>
+            <a:xfrm>
+              <a:off x="3086644" y="2438809"/>
+              <a:ext cx="1094798" cy="547399"/>
+            </a:xfrm>
+            <a:prstGeom prst="rect">
+              <a:avLst/>
+            </a:prstGeom>
+          </p:spPr>
+        </p:pic>
+        <p:pic>
+          <p:nvPicPr>
+            <p:cNvPr id="58" name="Picture 57"/>
+            <p:cNvPicPr>
+              <a:picLocks noChangeAspect="1"/>
+            </p:cNvPicPr>
+            <p:nvPr/>
+          </p:nvPicPr>
+          <p:blipFill>
+            <a:blip r:embed="rId7"/>
+            <a:stretch>
+              <a:fillRect/>
+            </a:stretch>
+          </p:blipFill>
+          <p:spPr>
+            <a:xfrm>
+              <a:off x="1403095" y="2982555"/>
+              <a:ext cx="626296" cy="626296"/>
+            </a:xfrm>
+            <a:prstGeom prst="rect">
+              <a:avLst/>
+            </a:prstGeom>
+          </p:spPr>
+        </p:pic>
+      </p:grpSp>
+      <p:sp>
+        <p:nvSpPr>
+          <p:cNvPr id="4" name="Rectangle 3"/>
+          <p:cNvSpPr/>
+          <p:nvPr/>
+        </p:nvSpPr>
+        <p:spPr>
+          <a:xfrm>
+            <a:off x="-591899" y="159272"/>
+            <a:ext cx="4542740" cy="523220"/>
+          </a:xfrm>
+          <a:prstGeom prst="rect">
+            <a:avLst/>
+          </a:prstGeom>
+          <a:noFill/>
+        </p:spPr>
+        <p:txBody>
+          <a:bodyPr wrap="square" lIns="91440" tIns="45720" rIns="91440" bIns="45720">
+            <a:spAutoFit/>
+          </a:bodyPr>
+          <a:lstStyle/>
+          <a:p>
+            <a:pPr algn="ctr"/>
+            <a:r>
+              <a:rPr lang="en-US" sz="2800" b="1" cap="none" spc="0" dirty="0" smtClean="0">
+                <a:ln w="6600">
+                  <a:solidFill>
+                    <a:schemeClr val="accent2"/>
+                  </a:solidFill>
+                  <a:prstDash val="solid"/>
+                </a:ln>
+                <a:solidFill>
+                  <a:srgbClr val="663300"/>
+                </a:solidFill>
+                <a:effectLst>
+                  <a:outerShdw dist="38100" dir="2700000" algn="tl" rotWithShape="0">
+                    <a:schemeClr val="accent2"/>
+                  </a:outerShdw>
+                </a:effectLst>
+              </a:rPr>
+              <a:t>UNVEIL AI WITH US</a:t>
+            </a:r>
+            <a:endParaRPr lang="en-US" sz="2800" b="1" cap="none" spc="0" dirty="0">
+              <a:ln w="6600">
+                <a:solidFill>
+                  <a:schemeClr val="accent2"/>
+                </a:solidFill>
+                <a:prstDash val="solid"/>
+              </a:ln>
+              <a:solidFill>
+                <a:srgbClr val="663300"/>
+              </a:solidFill>
+              <a:effectLst>
+                <a:outerShdw dist="38100" dir="2700000" algn="tl" rotWithShape="0">
+                  <a:schemeClr val="accent2"/>
+                </a:outerShdw>
+              </a:effectLst>
+            </a:endParaRPr>
+          </a:p>
+        </p:txBody>
+      </p:sp>
     </p:spTree>
     <p:extLst>
       <p:ext uri="{BB962C8B-B14F-4D97-AF65-F5344CB8AC3E}">
-        <p14:creationId xmlns:p14="http://schemas.microsoft.com/office/powerpoint/2010/main" val="77599495"/>
+        <p14:creationId xmlns:p14="http://schemas.microsoft.com/office/powerpoint/2010/main" val="3708350"/>
       </p:ext>
     </p:extLst>
   </p:cSld>
@@ -4122,6 +5079,13 @@
       </p:transition>
     </mc:Fallback>
   </mc:AlternateContent>
+  <p:timing>
+    <p:tnLst>
+      <p:par>
+        <p:cTn id="1" dur="indefinite" restart="never" nodeType="tmRoot"/>
+      </p:par>
+    </p:tnLst>
+  </p:timing>
 </p:sld>
 </file>
 
@@ -4142,454 +5106,20 @@
           <a:chExt cx="0" cy="0"/>
         </a:xfrm>
       </p:grpSpPr>
-      <p:pic>
-        <p:nvPicPr>
-          <p:cNvPr id="23" name="Picture 22"/>
-          <p:cNvPicPr>
-            <a:picLocks noChangeAspect="1"/>
-          </p:cNvPicPr>
+      <p:sp>
+        <p:nvSpPr>
+          <p:cNvPr id="2" name="Isosceles Triangle 1"/>
+          <p:cNvSpPr/>
           <p:nvPr/>
-        </p:nvPicPr>
-        <p:blipFill>
-          <a:blip r:embed="rId3">
-            <a:clrChange>
-              <a:clrFrom>
-                <a:srgbClr val="0F3B54"/>
-              </a:clrFrom>
-              <a:clrTo>
-                <a:srgbClr val="0F3B54">
-                  <a:alpha val="0"/>
-                </a:srgbClr>
-              </a:clrTo>
-            </a:clrChange>
-            <a:extLst>
-              <a:ext uri="{28A0092B-C50C-407E-A947-70E740481C1C}">
-                <a14:useLocalDpi xmlns:a14="http://schemas.microsoft.com/office/drawing/2010/main" val="0"/>
-              </a:ext>
-            </a:extLst>
-          </a:blip>
-          <a:stretch>
-            <a:fillRect/>
-          </a:stretch>
-        </p:blipFill>
+        </p:nvSpPr>
         <p:spPr>
           <a:xfrm>
-            <a:off x="0" y="0"/>
-            <a:ext cx="12192000" cy="6858000"/>
+            <a:off x="8543331" y="3799204"/>
+            <a:ext cx="1046528" cy="983598"/>
           </a:xfrm>
-          <a:prstGeom prst="rect">
+          <a:prstGeom prst="triangle">
             <a:avLst/>
           </a:prstGeom>
-        </p:spPr>
-      </p:pic>
-      <p:pic>
-        <p:nvPicPr>
-          <p:cNvPr id="2" name="Picture 1"/>
-          <p:cNvPicPr>
-            <a:picLocks noChangeAspect="1"/>
-          </p:cNvPicPr>
-          <p:nvPr/>
-        </p:nvPicPr>
-        <p:blipFill>
-          <a:blip r:embed="rId4" cstate="print">
-            <a:extLst>
-              <a:ext uri="{28A0092B-C50C-407E-A947-70E740481C1C}">
-                <a14:useLocalDpi xmlns:a14="http://schemas.microsoft.com/office/drawing/2010/main" val="0"/>
-              </a:ext>
-            </a:extLst>
-          </a:blip>
-          <a:stretch>
-            <a:fillRect/>
-          </a:stretch>
-        </p:blipFill>
-        <p:spPr>
-          <a:xfrm>
-            <a:off x="9907973" y="6251281"/>
-            <a:ext cx="1098112" cy="519455"/>
-          </a:xfrm>
-          <a:prstGeom prst="rect">
-            <a:avLst/>
-          </a:prstGeom>
-        </p:spPr>
-      </p:pic>
-      <p:sp>
-        <p:nvSpPr>
-          <p:cNvPr id="15" name="Freeform 14"/>
-          <p:cNvSpPr/>
-          <p:nvPr/>
-        </p:nvSpPr>
-        <p:spPr>
-          <a:xfrm>
-            <a:off x="4800153" y="6658421"/>
-            <a:ext cx="119353" cy="119353"/>
-          </a:xfrm>
-          <a:custGeom>
-            <a:avLst/>
-            <a:gdLst>
-              <a:gd name="connsiteX0" fmla="*/ 1080000 w 2160000"/>
-              <a:gd name="connsiteY0" fmla="*/ 0 h 2160000"/>
-              <a:gd name="connsiteX1" fmla="*/ 2154424 w 2160000"/>
-              <a:gd name="connsiteY1" fmla="*/ 969576 h 2160000"/>
-              <a:gd name="connsiteX2" fmla="*/ 2157027 w 2160000"/>
-              <a:gd name="connsiteY2" fmla="*/ 1021127 h 2160000"/>
-              <a:gd name="connsiteX3" fmla="*/ 2159999 w 2160000"/>
-              <a:gd name="connsiteY3" fmla="*/ 1021127 h 2160000"/>
-              <a:gd name="connsiteX4" fmla="*/ 2159999 w 2160000"/>
-              <a:gd name="connsiteY4" fmla="*/ 1079980 h 2160000"/>
-              <a:gd name="connsiteX5" fmla="*/ 2160000 w 2160000"/>
-              <a:gd name="connsiteY5" fmla="*/ 1080000 h 2160000"/>
-              <a:gd name="connsiteX6" fmla="*/ 2159999 w 2160000"/>
-              <a:gd name="connsiteY6" fmla="*/ 1080021 h 2160000"/>
-              <a:gd name="connsiteX7" fmla="*/ 2159999 w 2160000"/>
-              <a:gd name="connsiteY7" fmla="*/ 1716639 h 2160000"/>
-              <a:gd name="connsiteX8" fmla="*/ 2157838 w 2160000"/>
-              <a:gd name="connsiteY8" fmla="*/ 1716639 h 2160000"/>
-              <a:gd name="connsiteX9" fmla="*/ 2160000 w 2160000"/>
-              <a:gd name="connsiteY9" fmla="*/ 1738544 h 2160000"/>
-              <a:gd name="connsiteX10" fmla="*/ 1891921 w 2160000"/>
-              <a:gd name="connsiteY10" fmla="*/ 2012333 h 2160000"/>
-              <a:gd name="connsiteX11" fmla="*/ 1623842 w 2160000"/>
-              <a:gd name="connsiteY11" fmla="*/ 1738544 h 2160000"/>
-              <a:gd name="connsiteX12" fmla="*/ 1626005 w 2160000"/>
-              <a:gd name="connsiteY12" fmla="*/ 1716639 h 2160000"/>
-              <a:gd name="connsiteX13" fmla="*/ 1620298 w 2160000"/>
-              <a:gd name="connsiteY13" fmla="*/ 1716639 h 2160000"/>
-              <a:gd name="connsiteX14" fmla="*/ 1620298 w 2160000"/>
-              <a:gd name="connsiteY14" fmla="*/ 1090950 h 2160000"/>
-              <a:gd name="connsiteX15" fmla="*/ 1618898 w 2160000"/>
-              <a:gd name="connsiteY15" fmla="*/ 1090937 h 2160000"/>
-              <a:gd name="connsiteX16" fmla="*/ 1620000 w 2160000"/>
-              <a:gd name="connsiteY16" fmla="*/ 1080000 h 2160000"/>
-              <a:gd name="connsiteX17" fmla="*/ 1080000 w 2160000"/>
-              <a:gd name="connsiteY17" fmla="*/ 540000 h 2160000"/>
-              <a:gd name="connsiteX18" fmla="*/ 540000 w 2160000"/>
-              <a:gd name="connsiteY18" fmla="*/ 1080000 h 2160000"/>
-              <a:gd name="connsiteX19" fmla="*/ 1080000 w 2160000"/>
-              <a:gd name="connsiteY19" fmla="*/ 1620000 h 2160000"/>
-              <a:gd name="connsiteX20" fmla="*/ 1172144 w 2160000"/>
-              <a:gd name="connsiteY20" fmla="*/ 1610711 h 2160000"/>
-              <a:gd name="connsiteX21" fmla="*/ 1192722 w 2160000"/>
-              <a:gd name="connsiteY21" fmla="*/ 1599542 h 2160000"/>
-              <a:gd name="connsiteX22" fmla="*/ 1205334 w 2160000"/>
-              <a:gd name="connsiteY22" fmla="*/ 1595627 h 2160000"/>
-              <a:gd name="connsiteX23" fmla="*/ 1218649 w 2160000"/>
-              <a:gd name="connsiteY23" fmla="*/ 1594482 h 2160000"/>
-              <a:gd name="connsiteX24" fmla="*/ 1273176 w 2160000"/>
-              <a:gd name="connsiteY24" fmla="*/ 1581875 h 2160000"/>
-              <a:gd name="connsiteX25" fmla="*/ 1277433 w 2160000"/>
-              <a:gd name="connsiteY25" fmla="*/ 1580379 h 2160000"/>
-              <a:gd name="connsiteX26" fmla="*/ 1297818 w 2160000"/>
-              <a:gd name="connsiteY26" fmla="*/ 1578324 h 2160000"/>
-              <a:gd name="connsiteX27" fmla="*/ 1567818 w 2160000"/>
-              <a:gd name="connsiteY27" fmla="*/ 1848324 h 2160000"/>
-              <a:gd name="connsiteX28" fmla="*/ 1469563 w 2160000"/>
-              <a:gd name="connsiteY28" fmla="*/ 2056669 h 2160000"/>
-              <a:gd name="connsiteX29" fmla="*/ 1412948 w 2160000"/>
-              <a:gd name="connsiteY29" fmla="*/ 2091019 h 2160000"/>
-              <a:gd name="connsiteX30" fmla="*/ 1398272 w 2160000"/>
-              <a:gd name="connsiteY30" fmla="*/ 2101498 h 2160000"/>
-              <a:gd name="connsiteX31" fmla="*/ 1374464 w 2160000"/>
-              <a:gd name="connsiteY31" fmla="*/ 2110955 h 2160000"/>
-              <a:gd name="connsiteX32" fmla="*/ 1376211 w 2160000"/>
-              <a:gd name="connsiteY32" fmla="*/ 2117860 h 2160000"/>
-              <a:gd name="connsiteX33" fmla="*/ 1321962 w 2160000"/>
-              <a:gd name="connsiteY33" fmla="*/ 2131809 h 2160000"/>
-              <a:gd name="connsiteX34" fmla="*/ 1306247 w 2160000"/>
-              <a:gd name="connsiteY34" fmla="*/ 2138051 h 2160000"/>
-              <a:gd name="connsiteX35" fmla="*/ 1267530 w 2160000"/>
-              <a:gd name="connsiteY35" fmla="*/ 2142656 h 2160000"/>
-              <a:gd name="connsiteX36" fmla="*/ 1190424 w 2160000"/>
-              <a:gd name="connsiteY36" fmla="*/ 2154424 h 2160000"/>
-              <a:gd name="connsiteX37" fmla="*/ 1080000 w 2160000"/>
-              <a:gd name="connsiteY37" fmla="*/ 2160000 h 2160000"/>
-              <a:gd name="connsiteX38" fmla="*/ 0 w 2160000"/>
-              <a:gd name="connsiteY38" fmla="*/ 1080000 h 2160000"/>
-              <a:gd name="connsiteX39" fmla="*/ 1080000 w 2160000"/>
-              <a:gd name="connsiteY39" fmla="*/ 0 h 2160000"/>
-            </a:gdLst>
-            <a:ahLst/>
-            <a:cxnLst>
-              <a:cxn ang="0">
-                <a:pos x="connsiteX0" y="connsiteY0"/>
-              </a:cxn>
-              <a:cxn ang="0">
-                <a:pos x="connsiteX1" y="connsiteY1"/>
-              </a:cxn>
-              <a:cxn ang="0">
-                <a:pos x="connsiteX2" y="connsiteY2"/>
-              </a:cxn>
-              <a:cxn ang="0">
-                <a:pos x="connsiteX3" y="connsiteY3"/>
-              </a:cxn>
-              <a:cxn ang="0">
-                <a:pos x="connsiteX4" y="connsiteY4"/>
-              </a:cxn>
-              <a:cxn ang="0">
-                <a:pos x="connsiteX5" y="connsiteY5"/>
-              </a:cxn>
-              <a:cxn ang="0">
-                <a:pos x="connsiteX6" y="connsiteY6"/>
-              </a:cxn>
-              <a:cxn ang="0">
-                <a:pos x="connsiteX7" y="connsiteY7"/>
-              </a:cxn>
-              <a:cxn ang="0">
-                <a:pos x="connsiteX8" y="connsiteY8"/>
-              </a:cxn>
-              <a:cxn ang="0">
-                <a:pos x="connsiteX9" y="connsiteY9"/>
-              </a:cxn>
-              <a:cxn ang="0">
-                <a:pos x="connsiteX10" y="connsiteY10"/>
-              </a:cxn>
-              <a:cxn ang="0">
-                <a:pos x="connsiteX11" y="connsiteY11"/>
-              </a:cxn>
-              <a:cxn ang="0">
-                <a:pos x="connsiteX12" y="connsiteY12"/>
-              </a:cxn>
-              <a:cxn ang="0">
-                <a:pos x="connsiteX13" y="connsiteY13"/>
-              </a:cxn>
-              <a:cxn ang="0">
-                <a:pos x="connsiteX14" y="connsiteY14"/>
-              </a:cxn>
-              <a:cxn ang="0">
-                <a:pos x="connsiteX15" y="connsiteY15"/>
-              </a:cxn>
-              <a:cxn ang="0">
-                <a:pos x="connsiteX16" y="connsiteY16"/>
-              </a:cxn>
-              <a:cxn ang="0">
-                <a:pos x="connsiteX17" y="connsiteY17"/>
-              </a:cxn>
-              <a:cxn ang="0">
-                <a:pos x="connsiteX18" y="connsiteY18"/>
-              </a:cxn>
-              <a:cxn ang="0">
-                <a:pos x="connsiteX19" y="connsiteY19"/>
-              </a:cxn>
-              <a:cxn ang="0">
-                <a:pos x="connsiteX20" y="connsiteY20"/>
-              </a:cxn>
-              <a:cxn ang="0">
-                <a:pos x="connsiteX21" y="connsiteY21"/>
-              </a:cxn>
-              <a:cxn ang="0">
-                <a:pos x="connsiteX22" y="connsiteY22"/>
-              </a:cxn>
-              <a:cxn ang="0">
-                <a:pos x="connsiteX23" y="connsiteY23"/>
-              </a:cxn>
-              <a:cxn ang="0">
-                <a:pos x="connsiteX24" y="connsiteY24"/>
-              </a:cxn>
-              <a:cxn ang="0">
-                <a:pos x="connsiteX25" y="connsiteY25"/>
-              </a:cxn>
-              <a:cxn ang="0">
-                <a:pos x="connsiteX26" y="connsiteY26"/>
-              </a:cxn>
-              <a:cxn ang="0">
-                <a:pos x="connsiteX27" y="connsiteY27"/>
-              </a:cxn>
-              <a:cxn ang="0">
-                <a:pos x="connsiteX28" y="connsiteY28"/>
-              </a:cxn>
-              <a:cxn ang="0">
-                <a:pos x="connsiteX29" y="connsiteY29"/>
-              </a:cxn>
-              <a:cxn ang="0">
-                <a:pos x="connsiteX30" y="connsiteY30"/>
-              </a:cxn>
-              <a:cxn ang="0">
-                <a:pos x="connsiteX31" y="connsiteY31"/>
-              </a:cxn>
-              <a:cxn ang="0">
-                <a:pos x="connsiteX32" y="connsiteY32"/>
-              </a:cxn>
-              <a:cxn ang="0">
-                <a:pos x="connsiteX33" y="connsiteY33"/>
-              </a:cxn>
-              <a:cxn ang="0">
-                <a:pos x="connsiteX34" y="connsiteY34"/>
-              </a:cxn>
-              <a:cxn ang="0">
-                <a:pos x="connsiteX35" y="connsiteY35"/>
-              </a:cxn>
-              <a:cxn ang="0">
-                <a:pos x="connsiteX36" y="connsiteY36"/>
-              </a:cxn>
-              <a:cxn ang="0">
-                <a:pos x="connsiteX37" y="connsiteY37"/>
-              </a:cxn>
-              <a:cxn ang="0">
-                <a:pos x="connsiteX38" y="connsiteY38"/>
-              </a:cxn>
-              <a:cxn ang="0">
-                <a:pos x="connsiteX39" y="connsiteY39"/>
-              </a:cxn>
-            </a:cxnLst>
-            <a:rect l="l" t="t" r="r" b="b"/>
-            <a:pathLst>
-              <a:path w="2160000" h="2160000">
-                <a:moveTo>
-                  <a:pt x="1080000" y="0"/>
-                </a:moveTo>
-                <a:cubicBezTo>
-                  <a:pt x="1639189" y="0"/>
-                  <a:pt x="2099117" y="424979"/>
-                  <a:pt x="2154424" y="969576"/>
-                </a:cubicBezTo>
-                <a:lnTo>
-                  <a:pt x="2157027" y="1021127"/>
-                </a:lnTo>
-                <a:lnTo>
-                  <a:pt x="2159999" y="1021127"/>
-                </a:lnTo>
-                <a:lnTo>
-                  <a:pt x="2159999" y="1079980"/>
-                </a:lnTo>
-                <a:lnTo>
-                  <a:pt x="2160000" y="1080000"/>
-                </a:lnTo>
-                <a:lnTo>
-                  <a:pt x="2159999" y="1080021"/>
-                </a:lnTo>
-                <a:lnTo>
-                  <a:pt x="2159999" y="1716639"/>
-                </a:lnTo>
-                <a:lnTo>
-                  <a:pt x="2157838" y="1716639"/>
-                </a:lnTo>
-                <a:lnTo>
-                  <a:pt x="2160000" y="1738544"/>
-                </a:lnTo>
-                <a:cubicBezTo>
-                  <a:pt x="2160000" y="1889753"/>
-                  <a:pt x="2039977" y="2012333"/>
-                  <a:pt x="1891921" y="2012333"/>
-                </a:cubicBezTo>
-                <a:cubicBezTo>
-                  <a:pt x="1743865" y="2012333"/>
-                  <a:pt x="1623842" y="1889753"/>
-                  <a:pt x="1623842" y="1738544"/>
-                </a:cubicBezTo>
-                <a:lnTo>
-                  <a:pt x="1626005" y="1716639"/>
-                </a:lnTo>
-                <a:lnTo>
-                  <a:pt x="1620298" y="1716639"/>
-                </a:lnTo>
-                <a:lnTo>
-                  <a:pt x="1620298" y="1090950"/>
-                </a:lnTo>
-                <a:lnTo>
-                  <a:pt x="1618898" y="1090937"/>
-                </a:lnTo>
-                <a:lnTo>
-                  <a:pt x="1620000" y="1080000"/>
-                </a:lnTo>
-                <a:cubicBezTo>
-                  <a:pt x="1620000" y="781766"/>
-                  <a:pt x="1378234" y="540000"/>
-                  <a:pt x="1080000" y="540000"/>
-                </a:cubicBezTo>
-                <a:cubicBezTo>
-                  <a:pt x="781766" y="540000"/>
-                  <a:pt x="540000" y="781766"/>
-                  <a:pt x="540000" y="1080000"/>
-                </a:cubicBezTo>
-                <a:cubicBezTo>
-                  <a:pt x="540000" y="1378234"/>
-                  <a:pt x="781766" y="1620000"/>
-                  <a:pt x="1080000" y="1620000"/>
-                </a:cubicBezTo>
-                <a:lnTo>
-                  <a:pt x="1172144" y="1610711"/>
-                </a:lnTo>
-                <a:lnTo>
-                  <a:pt x="1192722" y="1599542"/>
-                </a:lnTo>
-                <a:lnTo>
-                  <a:pt x="1205334" y="1595627"/>
-                </a:lnTo>
-                <a:lnTo>
-                  <a:pt x="1218649" y="1594482"/>
-                </a:lnTo>
-                <a:cubicBezTo>
-                  <a:pt x="1237851" y="1591023"/>
-                  <a:pt x="1256099" y="1586790"/>
-                  <a:pt x="1273176" y="1581875"/>
-                </a:cubicBezTo>
-                <a:lnTo>
-                  <a:pt x="1277433" y="1580379"/>
-                </a:lnTo>
-                <a:lnTo>
-                  <a:pt x="1297818" y="1578324"/>
-                </a:lnTo>
-                <a:cubicBezTo>
-                  <a:pt x="1446935" y="1578324"/>
-                  <a:pt x="1567818" y="1699207"/>
-                  <a:pt x="1567818" y="1848324"/>
-                </a:cubicBezTo>
-                <a:cubicBezTo>
-                  <a:pt x="1567818" y="1932202"/>
-                  <a:pt x="1529570" y="2007147"/>
-                  <a:pt x="1469563" y="2056669"/>
-                </a:cubicBezTo>
-                <a:lnTo>
-                  <a:pt x="1412948" y="2091019"/>
-                </a:lnTo>
-                <a:lnTo>
-                  <a:pt x="1398272" y="2101498"/>
-                </a:lnTo>
-                <a:lnTo>
-                  <a:pt x="1374464" y="2110955"/>
-                </a:lnTo>
-                <a:lnTo>
-                  <a:pt x="1376211" y="2117860"/>
-                </a:lnTo>
-                <a:lnTo>
-                  <a:pt x="1321962" y="2131809"/>
-                </a:lnTo>
-                <a:lnTo>
-                  <a:pt x="1306247" y="2138051"/>
-                </a:lnTo>
-                <a:lnTo>
-                  <a:pt x="1267530" y="2142656"/>
-                </a:lnTo>
-                <a:lnTo>
-                  <a:pt x="1190424" y="2154424"/>
-                </a:lnTo>
-                <a:cubicBezTo>
-                  <a:pt x="1154118" y="2158111"/>
-                  <a:pt x="1117280" y="2160000"/>
-                  <a:pt x="1080000" y="2160000"/>
-                </a:cubicBezTo>
-                <a:cubicBezTo>
-                  <a:pt x="483532" y="2160000"/>
-                  <a:pt x="0" y="1676468"/>
-                  <a:pt x="0" y="1080000"/>
-                </a:cubicBezTo>
-                <a:cubicBezTo>
-                  <a:pt x="0" y="483532"/>
-                  <a:pt x="483532" y="0"/>
-                  <a:pt x="1080000" y="0"/>
-                </a:cubicBezTo>
-                <a:close/>
-              </a:path>
-            </a:pathLst>
-          </a:custGeom>
-          <a:solidFill>
-            <a:schemeClr val="tx1">
-              <a:lumMod val="50000"/>
-              <a:lumOff val="50000"/>
-            </a:schemeClr>
-          </a:solidFill>
-          <a:ln>
-            <a:noFill/>
-          </a:ln>
         </p:spPr>
         <p:style>
           <a:lnRef idx="2">
@@ -4612,242 +5142,51 @@
           <a:lstStyle/>
           <a:p>
             <a:pPr algn="ctr"/>
-            <a:endParaRPr lang="en-AU">
-              <a:latin typeface="Oxygen" panose="02000503000000000000" pitchFamily="2" charset="0"/>
-            </a:endParaRPr>
-          </a:p>
-        </p:txBody>
-      </p:sp>
-      <p:pic>
-        <p:nvPicPr>
-          <p:cNvPr id="7" name="Picture 6"/>
-          <p:cNvPicPr>
-            <a:picLocks noChangeAspect="1"/>
-          </p:cNvPicPr>
+            <a:endParaRPr lang="en-AU"/>
+          </a:p>
+        </p:txBody>
+      </p:sp>
+      <p:cxnSp>
+        <p:nvCxnSpPr>
+          <p:cNvPr id="3" name="Straight Connector 2"/>
+          <p:cNvCxnSpPr/>
           <p:nvPr/>
-        </p:nvPicPr>
-        <p:blipFill>
-          <a:blip r:embed="rId5" cstate="print">
-            <a:extLst>
-              <a:ext uri="{28A0092B-C50C-407E-A947-70E740481C1C}">
-                <a14:useLocalDpi xmlns:a14="http://schemas.microsoft.com/office/drawing/2010/main" val="0"/>
-              </a:ext>
-            </a:extLst>
-          </a:blip>
-          <a:stretch>
-            <a:fillRect/>
-          </a:stretch>
-        </p:blipFill>
+        </p:nvCxnSpPr>
         <p:spPr>
-          <a:xfrm>
-            <a:off x="956188" y="4909234"/>
-            <a:ext cx="674034" cy="505525"/>
+          <a:xfrm flipV="1">
+            <a:off x="6940333" y="3456603"/>
+            <a:ext cx="4131745" cy="579378"/>
           </a:xfrm>
-          <a:prstGeom prst="rect">
+          <a:prstGeom prst="line">
             <a:avLst/>
           </a:prstGeom>
+          <a:ln w="76200"/>
         </p:spPr>
-      </p:pic>
-      <p:pic>
-        <p:nvPicPr>
-          <p:cNvPr id="8" name="Picture 7"/>
-          <p:cNvPicPr>
-            <a:picLocks noChangeAspect="1"/>
-          </p:cNvPicPr>
-          <p:nvPr/>
-        </p:nvPicPr>
-        <p:blipFill>
-          <a:blip r:embed="rId6" cstate="print">
-            <a:extLst>
-              <a:ext uri="{28A0092B-C50C-407E-A947-70E740481C1C}">
-                <a14:useLocalDpi xmlns:a14="http://schemas.microsoft.com/office/drawing/2010/main" val="0"/>
-              </a:ext>
-            </a:extLst>
-          </a:blip>
-          <a:stretch>
-            <a:fillRect/>
-          </a:stretch>
-        </p:blipFill>
-        <p:spPr>
-          <a:xfrm>
-            <a:off x="910181" y="3908215"/>
-            <a:ext cx="763171" cy="763171"/>
-          </a:xfrm>
-          <a:prstGeom prst="rect">
-            <a:avLst/>
-          </a:prstGeom>
-        </p:spPr>
-      </p:pic>
-      <p:pic>
-        <p:nvPicPr>
-          <p:cNvPr id="10" name="Picture 9"/>
-          <p:cNvPicPr>
-            <a:picLocks noChangeAspect="1"/>
-          </p:cNvPicPr>
-          <p:nvPr/>
-        </p:nvPicPr>
-        <p:blipFill>
-          <a:blip r:embed="rId7" cstate="print">
-            <a:extLst>
-              <a:ext uri="{28A0092B-C50C-407E-A947-70E740481C1C}">
-                <a14:useLocalDpi xmlns:a14="http://schemas.microsoft.com/office/drawing/2010/main" val="0"/>
-              </a:ext>
-            </a:extLst>
-          </a:blip>
-          <a:stretch>
-            <a:fillRect/>
-          </a:stretch>
-        </p:blipFill>
-        <p:spPr>
-          <a:xfrm>
-            <a:off x="1812743" y="5399997"/>
-            <a:ext cx="464922" cy="483912"/>
-          </a:xfrm>
-          <a:prstGeom prst="rect">
-            <a:avLst/>
-          </a:prstGeom>
-        </p:spPr>
-      </p:pic>
-      <p:pic>
-        <p:nvPicPr>
-          <p:cNvPr id="11" name="Picture 10"/>
-          <p:cNvPicPr>
-            <a:picLocks noChangeAspect="1"/>
-          </p:cNvPicPr>
-          <p:nvPr/>
-        </p:nvPicPr>
-        <p:blipFill>
-          <a:blip r:embed="rId8" cstate="print">
-            <a:extLst>
-              <a:ext uri="{28A0092B-C50C-407E-A947-70E740481C1C}">
-                <a14:useLocalDpi xmlns:a14="http://schemas.microsoft.com/office/drawing/2010/main" val="0"/>
-              </a:ext>
-            </a:extLst>
-          </a:blip>
-          <a:stretch>
-            <a:fillRect/>
-          </a:stretch>
-        </p:blipFill>
-        <p:spPr>
-          <a:xfrm>
-            <a:off x="2652541" y="4942285"/>
-            <a:ext cx="439424" cy="439424"/>
-          </a:xfrm>
-          <a:prstGeom prst="rect">
-            <a:avLst/>
-          </a:prstGeom>
-        </p:spPr>
-      </p:pic>
-      <p:pic>
-        <p:nvPicPr>
-          <p:cNvPr id="12" name="Picture 11"/>
-          <p:cNvPicPr>
-            <a:picLocks noChangeAspect="1"/>
-          </p:cNvPicPr>
-          <p:nvPr/>
-        </p:nvPicPr>
-        <p:blipFill>
-          <a:blip r:embed="rId9" cstate="print">
-            <a:extLst>
-              <a:ext uri="{28A0092B-C50C-407E-A947-70E740481C1C}">
-                <a14:useLocalDpi xmlns:a14="http://schemas.microsoft.com/office/drawing/2010/main" val="0"/>
-              </a:ext>
-            </a:extLst>
-          </a:blip>
-          <a:stretch>
-            <a:fillRect/>
-          </a:stretch>
-        </p:blipFill>
-        <p:spPr>
-          <a:xfrm>
-            <a:off x="1812743" y="3548061"/>
-            <a:ext cx="464922" cy="464922"/>
-          </a:xfrm>
-          <a:prstGeom prst="rect">
-            <a:avLst/>
-          </a:prstGeom>
-        </p:spPr>
-      </p:pic>
-      <p:pic>
-        <p:nvPicPr>
-          <p:cNvPr id="19" name="Picture 18"/>
-          <p:cNvPicPr>
-            <a:picLocks noChangeAspect="1"/>
-          </p:cNvPicPr>
-          <p:nvPr/>
-        </p:nvPicPr>
-        <p:blipFill>
-          <a:blip r:embed="rId10" cstate="print">
-            <a:extLst>
-              <a:ext uri="{28A0092B-C50C-407E-A947-70E740481C1C}">
-                <a14:useLocalDpi xmlns:a14="http://schemas.microsoft.com/office/drawing/2010/main" val="0"/>
-              </a:ext>
-            </a:extLst>
-          </a:blip>
-          <a:stretch>
-            <a:fillRect/>
-          </a:stretch>
-        </p:blipFill>
-        <p:spPr>
-          <a:xfrm>
-            <a:off x="2583533" y="4012983"/>
-            <a:ext cx="553633" cy="553633"/>
-          </a:xfrm>
-          <a:prstGeom prst="rect">
-            <a:avLst/>
-          </a:prstGeom>
-        </p:spPr>
-      </p:pic>
-      <p:pic>
-        <p:nvPicPr>
-          <p:cNvPr id="21" name="Picture 20"/>
-          <p:cNvPicPr>
-            <a:picLocks noChangeAspect="1"/>
-          </p:cNvPicPr>
-          <p:nvPr/>
-        </p:nvPicPr>
-        <p:blipFill>
-          <a:blip r:embed="rId11" cstate="print">
-            <a:clrChange>
-              <a:clrFrom>
-                <a:srgbClr val="05132E"/>
-              </a:clrFrom>
-              <a:clrTo>
-                <a:srgbClr val="05132E">
-                  <a:alpha val="0"/>
-                </a:srgbClr>
-              </a:clrTo>
-            </a:clrChange>
-            <a:extLst>
-              <a:ext uri="{28A0092B-C50C-407E-A947-70E740481C1C}">
-                <a14:useLocalDpi xmlns:a14="http://schemas.microsoft.com/office/drawing/2010/main" val="0"/>
-              </a:ext>
-            </a:extLst>
-          </a:blip>
-          <a:stretch>
-            <a:fillRect/>
-          </a:stretch>
-        </p:blipFill>
-        <p:spPr>
-          <a:xfrm>
-            <a:off x="1302705" y="3985551"/>
-            <a:ext cx="1484998" cy="1484998"/>
-          </a:xfrm>
-          <a:prstGeom prst="rect">
-            <a:avLst/>
-          </a:prstGeom>
-        </p:spPr>
-      </p:pic>
-      <p:sp>
-        <p:nvSpPr>
-          <p:cNvPr id="24" name="TextBox 23"/>
+        <p:style>
+          <a:lnRef idx="1">
+            <a:schemeClr val="accent1"/>
+          </a:lnRef>
+          <a:fillRef idx="0">
+            <a:schemeClr val="accent1"/>
+          </a:fillRef>
+          <a:effectRef idx="0">
+            <a:schemeClr val="accent1"/>
+          </a:effectRef>
+          <a:fontRef idx="minor">
+            <a:schemeClr val="tx1"/>
+          </a:fontRef>
+        </p:style>
+      </p:cxnSp>
+      <p:sp>
+        <p:nvSpPr>
+          <p:cNvPr id="4" name="TextBox 3"/>
           <p:cNvSpPr txBox="1"/>
           <p:nvPr/>
         </p:nvSpPr>
         <p:spPr>
-          <a:xfrm>
-            <a:off x="1311150" y="2658552"/>
-            <a:ext cx="9569700" cy="707886"/>
+          <a:xfrm rot="21162127">
+            <a:off x="10387564" y="3041633"/>
+            <a:ext cx="1151386" cy="576874"/>
           </a:xfrm>
           <a:prstGeom prst="rect">
             <a:avLst/>
@@ -4861,19 +5200,55 @@
           <a:lstStyle/>
           <a:p>
             <a:r>
-              <a:rPr lang="en-US" sz="4000" dirty="0" smtClean="0">
+              <a:rPr lang="en-US" b="1" dirty="0" smtClean="0">
                 <a:solidFill>
-                  <a:schemeClr val="bg1"/>
+                  <a:srgbClr val="00B0F0"/>
                 </a:solidFill>
-                <a:latin typeface="Oxygen" panose="02000503000000000000" pitchFamily="2" charset="0"/>
               </a:rPr>
-              <a:t>AI HAS TAKEN THE WORLD BY STORM!</a:t>
-            </a:r>
-            <a:endParaRPr lang="en-AU" sz="4000" dirty="0">
+              <a:t>HYPE</a:t>
+            </a:r>
+            <a:endParaRPr lang="en-AU" b="1" dirty="0">
               <a:solidFill>
-                <a:schemeClr val="bg1"/>
+                <a:srgbClr val="00B0F0"/>
               </a:solidFill>
-              <a:latin typeface="Oxygen" panose="02000503000000000000" pitchFamily="2" charset="0"/>
+            </a:endParaRPr>
+          </a:p>
+        </p:txBody>
+      </p:sp>
+      <p:sp>
+        <p:nvSpPr>
+          <p:cNvPr id="5" name="TextBox 4"/>
+          <p:cNvSpPr txBox="1"/>
+          <p:nvPr/>
+        </p:nvSpPr>
+        <p:spPr>
+          <a:xfrm rot="21162127">
+            <a:off x="6852097" y="3510883"/>
+            <a:ext cx="1567282" cy="576874"/>
+          </a:xfrm>
+          <a:prstGeom prst="rect">
+            <a:avLst/>
+          </a:prstGeom>
+          <a:noFill/>
+        </p:spPr>
+        <p:txBody>
+          <a:bodyPr wrap="square" rtlCol="0">
+            <a:spAutoFit/>
+          </a:bodyPr>
+          <a:lstStyle/>
+          <a:p>
+            <a:r>
+              <a:rPr lang="en-US" b="1" dirty="0" smtClean="0">
+                <a:solidFill>
+                  <a:srgbClr val="00B0F0"/>
+                </a:solidFill>
+              </a:rPr>
+              <a:t>REALITY</a:t>
+            </a:r>
+            <a:endParaRPr lang="en-AU" b="1" dirty="0">
+              <a:solidFill>
+                <a:srgbClr val="00B0F0"/>
+              </a:solidFill>
             </a:endParaRPr>
           </a:p>
         </p:txBody>
@@ -4881,7 +5256,7 @@
     </p:spTree>
     <p:extLst>
       <p:ext uri="{BB962C8B-B14F-4D97-AF65-F5344CB8AC3E}">
-        <p14:creationId xmlns:p14="http://schemas.microsoft.com/office/powerpoint/2010/main" val="1701805757"/>
+        <p14:creationId xmlns:p14="http://schemas.microsoft.com/office/powerpoint/2010/main" val="77599495"/>
       </p:ext>
     </p:extLst>
   </p:cSld>
